--- a/동료장학.pptx
+++ b/동료장학.pptx
@@ -6424,6 +6424,213 @@
               <a:rPr lang="en-US" altLang="ko-KR" dirty="0" smtClean="0"/>
               <a:t>.</a:t>
             </a:r>
+          </a:p>
+          <a:p>
+            <a:endParaRPr lang="en-US" altLang="ko-KR" dirty="0"/>
+          </a:p>
+          <a:p>
+            <a:r>
+              <a:rPr lang="ko-KR" altLang="en-US" dirty="0" smtClean="0"/>
+              <a:t>참고</a:t>
+            </a:r>
+            <a:endParaRPr lang="en-US" altLang="ko-KR" dirty="0"/>
+          </a:p>
+          <a:p>
+            <a:pPr marL="0" indent="0">
+              <a:buNone/>
+            </a:pPr>
+            <a:r>
+              <a:rPr lang="en-US" altLang="ko-KR" dirty="0" smtClean="0"/>
+              <a:t>[</a:t>
+            </a:r>
+            <a:r>
+              <a:rPr lang="en-US" altLang="ko-KR" dirty="0" err="1" smtClean="0"/>
+              <a:t>ppt</a:t>
+            </a:r>
+            <a:r>
+              <a:rPr lang="en-US" altLang="ko-KR" dirty="0" smtClean="0"/>
+              <a:t>]</a:t>
+            </a:r>
+            <a:r>
+              <a:rPr lang="en-US" altLang="ko-KR" dirty="0">
+                <a:hlinkClick r:id="rId2"/>
+              </a:rPr>
+              <a:t> </a:t>
+            </a:r>
+            <a:r>
+              <a:rPr lang="en-US" altLang="ko-KR" dirty="0" err="1">
+                <a:hlinkClick r:id="rId2"/>
+              </a:rPr>
+              <a:t>python_src</a:t>
+            </a:r>
+            <a:r>
+              <a:rPr lang="en-US" altLang="ko-KR" dirty="0">
+                <a:hlinkClick r:id="rId2"/>
+              </a:rPr>
+              <a:t>/</a:t>
+            </a:r>
+            <a:r>
+              <a:rPr lang="ko-KR" altLang="en-US" dirty="0" err="1">
+                <a:hlinkClick r:id="rId2"/>
+              </a:rPr>
+              <a:t>동료장학</a:t>
+            </a:r>
+            <a:r>
+              <a:rPr lang="en-US" altLang="ko-KR" dirty="0">
+                <a:hlinkClick r:id="rId2"/>
+              </a:rPr>
+              <a:t>.</a:t>
+            </a:r>
+            <a:r>
+              <a:rPr lang="en-US" altLang="ko-KR" dirty="0" err="1">
+                <a:hlinkClick r:id="rId2"/>
+              </a:rPr>
+              <a:t>pptx</a:t>
+            </a:r>
+            <a:r>
+              <a:rPr lang="en-US" altLang="ko-KR" dirty="0">
+                <a:hlinkClick r:id="rId2"/>
+              </a:rPr>
+              <a:t> at master · kig2929kig/</a:t>
+            </a:r>
+            <a:r>
+              <a:rPr lang="en-US" altLang="ko-KR" dirty="0" err="1">
+                <a:hlinkClick r:id="rId2"/>
+              </a:rPr>
+              <a:t>python_src</a:t>
+            </a:r>
+            <a:r>
+              <a:rPr lang="en-US" altLang="ko-KR" dirty="0">
+                <a:hlinkClick r:id="rId2"/>
+              </a:rPr>
+              <a:t> (github.com)</a:t>
+            </a:r>
+            <a:endParaRPr lang="en-US" altLang="ko-KR" dirty="0" smtClean="0"/>
+          </a:p>
+          <a:p>
+            <a:pPr marL="0" indent="0">
+              <a:buNone/>
+            </a:pPr>
+            <a:r>
+              <a:rPr lang="en-US" altLang="ko-KR" dirty="0" smtClean="0"/>
+              <a:t>[</a:t>
+            </a:r>
+            <a:r>
+              <a:rPr lang="ko-KR" altLang="en-US" dirty="0" smtClean="0"/>
+              <a:t>소스코드</a:t>
+            </a:r>
+            <a:r>
+              <a:rPr lang="en-US" altLang="ko-KR" dirty="0" smtClean="0"/>
+              <a:t>]</a:t>
+            </a:r>
+            <a:r>
+              <a:rPr lang="en-US" altLang="ko-KR" dirty="0">
+                <a:hlinkClick r:id="rId3"/>
+              </a:rPr>
+              <a:t> python_src/myMBTI.py at master · kig2929kig/</a:t>
+            </a:r>
+            <a:r>
+              <a:rPr lang="en-US" altLang="ko-KR" dirty="0" err="1">
+                <a:hlinkClick r:id="rId3"/>
+              </a:rPr>
+              <a:t>python_src</a:t>
+            </a:r>
+            <a:r>
+              <a:rPr lang="en-US" altLang="ko-KR" dirty="0">
+                <a:hlinkClick r:id="rId3"/>
+              </a:rPr>
+              <a:t> (github.com)</a:t>
+            </a:r>
+            <a:endParaRPr lang="en-US" altLang="ko-KR" dirty="0" smtClean="0"/>
+          </a:p>
+          <a:p>
+            <a:pPr marL="0" indent="0">
+              <a:buNone/>
+            </a:pPr>
+            <a:r>
+              <a:rPr lang="en-US" altLang="ko-KR" dirty="0" smtClean="0"/>
+              <a:t>[</a:t>
+            </a:r>
+            <a:r>
+              <a:rPr lang="ko-KR" altLang="en-US" dirty="0" smtClean="0"/>
+              <a:t>검사지</a:t>
+            </a:r>
+            <a:r>
+              <a:rPr lang="en-US" altLang="ko-KR" dirty="0" smtClean="0"/>
+              <a:t>]</a:t>
+            </a:r>
+            <a:r>
+              <a:rPr lang="en-US" altLang="ko-KR" dirty="0">
+                <a:hlinkClick r:id="rId4"/>
+              </a:rPr>
+              <a:t> </a:t>
+            </a:r>
+            <a:r>
+              <a:rPr lang="en-US" altLang="ko-KR" dirty="0" err="1">
+                <a:hlinkClick r:id="rId4"/>
+              </a:rPr>
+              <a:t>python_src</a:t>
+            </a:r>
+            <a:r>
+              <a:rPr lang="en-US" altLang="ko-KR" dirty="0">
+                <a:hlinkClick r:id="rId4"/>
+              </a:rPr>
+              <a:t>/MBTI_</a:t>
+            </a:r>
+            <a:r>
+              <a:rPr lang="ko-KR" altLang="en-US" dirty="0">
+                <a:hlinkClick r:id="rId4"/>
+              </a:rPr>
+              <a:t>성격유형</a:t>
+            </a:r>
+            <a:r>
+              <a:rPr lang="en-US" altLang="ko-KR" dirty="0">
+                <a:hlinkClick r:id="rId4"/>
+              </a:rPr>
+              <a:t>_</a:t>
+            </a:r>
+            <a:r>
+              <a:rPr lang="ko-KR" altLang="en-US" dirty="0">
+                <a:hlinkClick r:id="rId4"/>
+              </a:rPr>
+              <a:t>검사지</a:t>
+            </a:r>
+            <a:r>
+              <a:rPr lang="en-US" altLang="ko-KR" dirty="0">
+                <a:hlinkClick r:id="rId4"/>
+              </a:rPr>
+              <a:t>.</a:t>
+            </a:r>
+            <a:r>
+              <a:rPr lang="en-US" altLang="ko-KR" dirty="0" err="1">
+                <a:hlinkClick r:id="rId4"/>
+              </a:rPr>
+              <a:t>hwp</a:t>
+            </a:r>
+            <a:r>
+              <a:rPr lang="en-US" altLang="ko-KR" dirty="0">
+                <a:hlinkClick r:id="rId4"/>
+              </a:rPr>
+              <a:t> at master · kig2929kig/</a:t>
+            </a:r>
+            <a:r>
+              <a:rPr lang="en-US" altLang="ko-KR" dirty="0" err="1">
+                <a:hlinkClick r:id="rId4"/>
+              </a:rPr>
+              <a:t>python_src</a:t>
+            </a:r>
+            <a:r>
+              <a:rPr lang="en-US" altLang="ko-KR" dirty="0">
+                <a:hlinkClick r:id="rId4"/>
+              </a:rPr>
+              <a:t> (github.com)</a:t>
+            </a:r>
+            <a:endParaRPr lang="en-US" altLang="ko-KR" dirty="0"/>
+          </a:p>
+          <a:p>
+            <a:pPr marL="0" indent="0">
+              <a:buNone/>
+            </a:pPr>
             <a:endParaRPr lang="ko-KR" altLang="en-US" dirty="0"/>
           </a:p>
         </p:txBody>
@@ -6438,6 +6645,13 @@
   <p:clrMapOvr>
     <a:masterClrMapping/>
   </p:clrMapOvr>
+  <p:timing>
+    <p:tnLst>
+      <p:par>
+        <p:cTn id="1" dur="indefinite" restart="never" nodeType="tmRoot"/>
+      </p:par>
+    </p:tnLst>
+  </p:timing>
 </p:sld>
 </file>
 

--- a/동료장학.pptx
+++ b/동료장학.pptx
@@ -262,7 +262,7 @@
           <a:p>
             <a:fld id="{63C8A332-F0E5-4D11-81F3-1012A17CF692}" type="datetimeFigureOut">
               <a:rPr lang="ko-KR" altLang="en-US" smtClean="0"/>
-              <a:t>2023-05-17</a:t>
+              <a:t>2023-05-22</a:t>
             </a:fld>
             <a:endParaRPr lang="ko-KR" altLang="en-US"/>
           </a:p>
@@ -432,7 +432,7 @@
           <a:p>
             <a:fld id="{63C8A332-F0E5-4D11-81F3-1012A17CF692}" type="datetimeFigureOut">
               <a:rPr lang="ko-KR" altLang="en-US" smtClean="0"/>
-              <a:t>2023-05-17</a:t>
+              <a:t>2023-05-22</a:t>
             </a:fld>
             <a:endParaRPr lang="ko-KR" altLang="en-US"/>
           </a:p>
@@ -612,7 +612,7 @@
           <a:p>
             <a:fld id="{63C8A332-F0E5-4D11-81F3-1012A17CF692}" type="datetimeFigureOut">
               <a:rPr lang="ko-KR" altLang="en-US" smtClean="0"/>
-              <a:t>2023-05-17</a:t>
+              <a:t>2023-05-22</a:t>
             </a:fld>
             <a:endParaRPr lang="ko-KR" altLang="en-US"/>
           </a:p>
@@ -782,7 +782,7 @@
           <a:p>
             <a:fld id="{63C8A332-F0E5-4D11-81F3-1012A17CF692}" type="datetimeFigureOut">
               <a:rPr lang="ko-KR" altLang="en-US" smtClean="0"/>
-              <a:t>2023-05-17</a:t>
+              <a:t>2023-05-22</a:t>
             </a:fld>
             <a:endParaRPr lang="ko-KR" altLang="en-US"/>
           </a:p>
@@ -1028,7 +1028,7 @@
           <a:p>
             <a:fld id="{63C8A332-F0E5-4D11-81F3-1012A17CF692}" type="datetimeFigureOut">
               <a:rPr lang="ko-KR" altLang="en-US" smtClean="0"/>
-              <a:t>2023-05-17</a:t>
+              <a:t>2023-05-22</a:t>
             </a:fld>
             <a:endParaRPr lang="ko-KR" altLang="en-US"/>
           </a:p>
@@ -1260,7 +1260,7 @@
           <a:p>
             <a:fld id="{63C8A332-F0E5-4D11-81F3-1012A17CF692}" type="datetimeFigureOut">
               <a:rPr lang="ko-KR" altLang="en-US" smtClean="0"/>
-              <a:t>2023-05-17</a:t>
+              <a:t>2023-05-22</a:t>
             </a:fld>
             <a:endParaRPr lang="ko-KR" altLang="en-US"/>
           </a:p>
@@ -1627,7 +1627,7 @@
           <a:p>
             <a:fld id="{63C8A332-F0E5-4D11-81F3-1012A17CF692}" type="datetimeFigureOut">
               <a:rPr lang="ko-KR" altLang="en-US" smtClean="0"/>
-              <a:t>2023-05-17</a:t>
+              <a:t>2023-05-22</a:t>
             </a:fld>
             <a:endParaRPr lang="ko-KR" altLang="en-US"/>
           </a:p>
@@ -1745,7 +1745,7 @@
           <a:p>
             <a:fld id="{63C8A332-F0E5-4D11-81F3-1012A17CF692}" type="datetimeFigureOut">
               <a:rPr lang="ko-KR" altLang="en-US" smtClean="0"/>
-              <a:t>2023-05-17</a:t>
+              <a:t>2023-05-22</a:t>
             </a:fld>
             <a:endParaRPr lang="ko-KR" altLang="en-US"/>
           </a:p>
@@ -1840,7 +1840,7 @@
           <a:p>
             <a:fld id="{63C8A332-F0E5-4D11-81F3-1012A17CF692}" type="datetimeFigureOut">
               <a:rPr lang="ko-KR" altLang="en-US" smtClean="0"/>
-              <a:t>2023-05-17</a:t>
+              <a:t>2023-05-22</a:t>
             </a:fld>
             <a:endParaRPr lang="ko-KR" altLang="en-US"/>
           </a:p>
@@ -2117,7 +2117,7 @@
           <a:p>
             <a:fld id="{63C8A332-F0E5-4D11-81F3-1012A17CF692}" type="datetimeFigureOut">
               <a:rPr lang="ko-KR" altLang="en-US" smtClean="0"/>
-              <a:t>2023-05-17</a:t>
+              <a:t>2023-05-22</a:t>
             </a:fld>
             <a:endParaRPr lang="ko-KR" altLang="en-US"/>
           </a:p>
@@ -2370,7 +2370,7 @@
           <a:p>
             <a:fld id="{63C8A332-F0E5-4D11-81F3-1012A17CF692}" type="datetimeFigureOut">
               <a:rPr lang="ko-KR" altLang="en-US" smtClean="0"/>
-              <a:t>2023-05-17</a:t>
+              <a:t>2023-05-22</a:t>
             </a:fld>
             <a:endParaRPr lang="ko-KR" altLang="en-US"/>
           </a:p>
@@ -2583,7 +2583,7 @@
           <a:p>
             <a:fld id="{63C8A332-F0E5-4D11-81F3-1012A17CF692}" type="datetimeFigureOut">
               <a:rPr lang="ko-KR" altLang="en-US" smtClean="0"/>
-              <a:t>2023-05-17</a:t>
+              <a:t>2023-05-22</a:t>
             </a:fld>
             <a:endParaRPr lang="ko-KR" altLang="en-US"/>
           </a:p>
@@ -5747,7 +5747,12 @@
             <p:ph idx="1"/>
           </p:nvPr>
         </p:nvSpPr>
-        <p:spPr/>
+        <p:spPr>
+          <a:xfrm>
+            <a:off x="838200" y="1825625"/>
+            <a:ext cx="5405846" cy="4351338"/>
+          </a:xfrm>
+        </p:spPr>
         <p:txBody>
           <a:bodyPr/>
           <a:lstStyle/>
@@ -5789,7 +5794,11 @@
             </a:pPr>
             <a:r>
               <a:rPr lang="en-US" altLang="ko-KR" dirty="0" smtClean="0"/>
-              <a:t>Label</a:t>
+              <a:t>Text </a:t>
+            </a:r>
+            <a:r>
+              <a:rPr lang="ko-KR" altLang="en-US" dirty="0" smtClean="0"/>
+              <a:t>위젯</a:t>
             </a:r>
             <a:r>
               <a:rPr lang="ko-KR" altLang="en-US" dirty="0" smtClean="0"/>
@@ -5823,6 +5832,44 @@
           </a:p>
         </p:txBody>
       </p:sp>
+      <p:pic>
+        <p:nvPicPr>
+          <p:cNvPr id="8" name="그림 7"/>
+          <p:cNvPicPr>
+            <a:picLocks noChangeAspect="1"/>
+          </p:cNvPicPr>
+          <p:nvPr/>
+        </p:nvPicPr>
+        <p:blipFill>
+          <a:blip r:embed="rId2"/>
+          <a:stretch>
+            <a:fillRect/>
+          </a:stretch>
+        </p:blipFill>
+        <p:spPr>
+          <a:xfrm>
+            <a:off x="6528299" y="365125"/>
+            <a:ext cx="5162958" cy="6029144"/>
+          </a:xfrm>
+          <a:prstGeom prst="rect">
+            <a:avLst/>
+          </a:prstGeom>
+          <a:ln w="38100" cap="sq">
+            <a:solidFill>
+              <a:srgbClr val="000000"/>
+            </a:solidFill>
+            <a:prstDash val="solid"/>
+            <a:miter lim="800000"/>
+          </a:ln>
+          <a:effectLst>
+            <a:outerShdw blurRad="50800" dist="38100" dir="2700000" algn="tl" rotWithShape="0">
+              <a:srgbClr val="000000">
+                <a:alpha val="43000"/>
+              </a:srgbClr>
+            </a:outerShdw>
+          </a:effectLst>
+        </p:spPr>
+      </p:pic>
     </p:spTree>
     <p:extLst>
       <p:ext uri="{BB962C8B-B14F-4D97-AF65-F5344CB8AC3E}">
@@ -6424,213 +6471,6 @@
               <a:rPr lang="en-US" altLang="ko-KR" dirty="0" smtClean="0"/>
               <a:t>.</a:t>
             </a:r>
-          </a:p>
-          <a:p>
-            <a:endParaRPr lang="en-US" altLang="ko-KR" dirty="0"/>
-          </a:p>
-          <a:p>
-            <a:r>
-              <a:rPr lang="ko-KR" altLang="en-US" dirty="0" smtClean="0"/>
-              <a:t>참고</a:t>
-            </a:r>
-            <a:endParaRPr lang="en-US" altLang="ko-KR" dirty="0"/>
-          </a:p>
-          <a:p>
-            <a:pPr marL="0" indent="0">
-              <a:buNone/>
-            </a:pPr>
-            <a:r>
-              <a:rPr lang="en-US" altLang="ko-KR" dirty="0" smtClean="0"/>
-              <a:t>[</a:t>
-            </a:r>
-            <a:r>
-              <a:rPr lang="en-US" altLang="ko-KR" dirty="0" err="1" smtClean="0"/>
-              <a:t>ppt</a:t>
-            </a:r>
-            <a:r>
-              <a:rPr lang="en-US" altLang="ko-KR" dirty="0" smtClean="0"/>
-              <a:t>]</a:t>
-            </a:r>
-            <a:r>
-              <a:rPr lang="en-US" altLang="ko-KR" dirty="0">
-                <a:hlinkClick r:id="rId2"/>
-              </a:rPr>
-              <a:t> </a:t>
-            </a:r>
-            <a:r>
-              <a:rPr lang="en-US" altLang="ko-KR" dirty="0" err="1">
-                <a:hlinkClick r:id="rId2"/>
-              </a:rPr>
-              <a:t>python_src</a:t>
-            </a:r>
-            <a:r>
-              <a:rPr lang="en-US" altLang="ko-KR" dirty="0">
-                <a:hlinkClick r:id="rId2"/>
-              </a:rPr>
-              <a:t>/</a:t>
-            </a:r>
-            <a:r>
-              <a:rPr lang="ko-KR" altLang="en-US" dirty="0" err="1">
-                <a:hlinkClick r:id="rId2"/>
-              </a:rPr>
-              <a:t>동료장학</a:t>
-            </a:r>
-            <a:r>
-              <a:rPr lang="en-US" altLang="ko-KR" dirty="0">
-                <a:hlinkClick r:id="rId2"/>
-              </a:rPr>
-              <a:t>.</a:t>
-            </a:r>
-            <a:r>
-              <a:rPr lang="en-US" altLang="ko-KR" dirty="0" err="1">
-                <a:hlinkClick r:id="rId2"/>
-              </a:rPr>
-              <a:t>pptx</a:t>
-            </a:r>
-            <a:r>
-              <a:rPr lang="en-US" altLang="ko-KR" dirty="0">
-                <a:hlinkClick r:id="rId2"/>
-              </a:rPr>
-              <a:t> at master · kig2929kig/</a:t>
-            </a:r>
-            <a:r>
-              <a:rPr lang="en-US" altLang="ko-KR" dirty="0" err="1">
-                <a:hlinkClick r:id="rId2"/>
-              </a:rPr>
-              <a:t>python_src</a:t>
-            </a:r>
-            <a:r>
-              <a:rPr lang="en-US" altLang="ko-KR" dirty="0">
-                <a:hlinkClick r:id="rId2"/>
-              </a:rPr>
-              <a:t> (github.com)</a:t>
-            </a:r>
-            <a:endParaRPr lang="en-US" altLang="ko-KR" dirty="0" smtClean="0"/>
-          </a:p>
-          <a:p>
-            <a:pPr marL="0" indent="0">
-              <a:buNone/>
-            </a:pPr>
-            <a:r>
-              <a:rPr lang="en-US" altLang="ko-KR" dirty="0" smtClean="0"/>
-              <a:t>[</a:t>
-            </a:r>
-            <a:r>
-              <a:rPr lang="ko-KR" altLang="en-US" dirty="0" smtClean="0"/>
-              <a:t>소스코드</a:t>
-            </a:r>
-            <a:r>
-              <a:rPr lang="en-US" altLang="ko-KR" dirty="0" smtClean="0"/>
-              <a:t>]</a:t>
-            </a:r>
-            <a:r>
-              <a:rPr lang="en-US" altLang="ko-KR" dirty="0">
-                <a:hlinkClick r:id="rId3"/>
-              </a:rPr>
-              <a:t> python_src/myMBTI.py at master · kig2929kig/</a:t>
-            </a:r>
-            <a:r>
-              <a:rPr lang="en-US" altLang="ko-KR" dirty="0" err="1">
-                <a:hlinkClick r:id="rId3"/>
-              </a:rPr>
-              <a:t>python_src</a:t>
-            </a:r>
-            <a:r>
-              <a:rPr lang="en-US" altLang="ko-KR" dirty="0">
-                <a:hlinkClick r:id="rId3"/>
-              </a:rPr>
-              <a:t> (github.com)</a:t>
-            </a:r>
-            <a:endParaRPr lang="en-US" altLang="ko-KR" dirty="0" smtClean="0"/>
-          </a:p>
-          <a:p>
-            <a:pPr marL="0" indent="0">
-              <a:buNone/>
-            </a:pPr>
-            <a:r>
-              <a:rPr lang="en-US" altLang="ko-KR" dirty="0" smtClean="0"/>
-              <a:t>[</a:t>
-            </a:r>
-            <a:r>
-              <a:rPr lang="ko-KR" altLang="en-US" dirty="0" smtClean="0"/>
-              <a:t>검사지</a:t>
-            </a:r>
-            <a:r>
-              <a:rPr lang="en-US" altLang="ko-KR" dirty="0" smtClean="0"/>
-              <a:t>]</a:t>
-            </a:r>
-            <a:r>
-              <a:rPr lang="en-US" altLang="ko-KR" dirty="0">
-                <a:hlinkClick r:id="rId4"/>
-              </a:rPr>
-              <a:t> </a:t>
-            </a:r>
-            <a:r>
-              <a:rPr lang="en-US" altLang="ko-KR" dirty="0" err="1">
-                <a:hlinkClick r:id="rId4"/>
-              </a:rPr>
-              <a:t>python_src</a:t>
-            </a:r>
-            <a:r>
-              <a:rPr lang="en-US" altLang="ko-KR" dirty="0">
-                <a:hlinkClick r:id="rId4"/>
-              </a:rPr>
-              <a:t>/MBTI_</a:t>
-            </a:r>
-            <a:r>
-              <a:rPr lang="ko-KR" altLang="en-US" dirty="0">
-                <a:hlinkClick r:id="rId4"/>
-              </a:rPr>
-              <a:t>성격유형</a:t>
-            </a:r>
-            <a:r>
-              <a:rPr lang="en-US" altLang="ko-KR" dirty="0">
-                <a:hlinkClick r:id="rId4"/>
-              </a:rPr>
-              <a:t>_</a:t>
-            </a:r>
-            <a:r>
-              <a:rPr lang="ko-KR" altLang="en-US" dirty="0">
-                <a:hlinkClick r:id="rId4"/>
-              </a:rPr>
-              <a:t>검사지</a:t>
-            </a:r>
-            <a:r>
-              <a:rPr lang="en-US" altLang="ko-KR" dirty="0">
-                <a:hlinkClick r:id="rId4"/>
-              </a:rPr>
-              <a:t>.</a:t>
-            </a:r>
-            <a:r>
-              <a:rPr lang="en-US" altLang="ko-KR" dirty="0" err="1">
-                <a:hlinkClick r:id="rId4"/>
-              </a:rPr>
-              <a:t>hwp</a:t>
-            </a:r>
-            <a:r>
-              <a:rPr lang="en-US" altLang="ko-KR" dirty="0">
-                <a:hlinkClick r:id="rId4"/>
-              </a:rPr>
-              <a:t> at master · kig2929kig/</a:t>
-            </a:r>
-            <a:r>
-              <a:rPr lang="en-US" altLang="ko-KR" dirty="0" err="1">
-                <a:hlinkClick r:id="rId4"/>
-              </a:rPr>
-              <a:t>python_src</a:t>
-            </a:r>
-            <a:r>
-              <a:rPr lang="en-US" altLang="ko-KR" dirty="0">
-                <a:hlinkClick r:id="rId4"/>
-              </a:rPr>
-              <a:t> (github.com)</a:t>
-            </a:r>
-            <a:endParaRPr lang="en-US" altLang="ko-KR" dirty="0"/>
-          </a:p>
-          <a:p>
-            <a:pPr marL="0" indent="0">
-              <a:buNone/>
-            </a:pPr>
             <a:endParaRPr lang="ko-KR" altLang="en-US" dirty="0"/>
           </a:p>
         </p:txBody>
@@ -6645,13 +6485,6 @@
   <p:clrMapOvr>
     <a:masterClrMapping/>
   </p:clrMapOvr>
-  <p:timing>
-    <p:tnLst>
-      <p:par>
-        <p:cTn id="1" dur="indefinite" restart="never" nodeType="tmRoot"/>
-      </p:par>
-    </p:tnLst>
-  </p:timing>
 </p:sld>
 </file>
 
